--- a/Slides/Lesson 5.2 Generalizing Over Functions.pptx
+++ b/Slides/Lesson 5.2 Generalizing Over Functions.pptx
@@ -248,7 +248,7 @@
             <a:fld id="{CF8F25F6-E1EF-4065-8525-42EDEBD9BD22}" type="datetimeFigureOut">
               <a:rPr lang="en-US" smtClean="0"/>
               <a:pPr/>
-              <a:t>8/28/2015</a:t>
+              <a:t>10/10/2015</a:t>
             </a:fld>
             <a:endParaRPr lang="en-US"/>
           </a:p>
@@ -2097,7 +2097,7 @@
           <a:p>
             <a:fld id="{2F1F79F5-7BEC-496A-AFC7-876E38F64D71}" type="datetime1">
               <a:rPr lang="en-US" smtClean="0"/>
-              <a:t>8/28/2015</a:t>
+              <a:t>10/10/2015</a:t>
             </a:fld>
             <a:endParaRPr lang="en-US"/>
           </a:p>
@@ -2199,7 +2199,7 @@
           <a:p>
             <a:fld id="{0A05703A-7669-4FEA-9056-25299B4D29D4}" type="datetime1">
               <a:rPr lang="en-US" smtClean="0"/>
-              <a:t>8/28/2015</a:t>
+              <a:t>10/10/2015</a:t>
             </a:fld>
             <a:endParaRPr lang="en-US"/>
           </a:p>
@@ -2476,7 +2476,7 @@
           <a:p>
             <a:fld id="{6E5077B5-BB57-49DB-88CA-226A139E5C01}" type="datetime1">
               <a:rPr lang="en-US" smtClean="0"/>
-              <a:t>8/28/2015</a:t>
+              <a:t>10/10/2015</a:t>
             </a:fld>
             <a:endParaRPr lang="en-US"/>
           </a:p>
@@ -2729,7 +2729,7 @@
           <a:p>
             <a:fld id="{C48D9447-CBD6-49A1-89FD-8512A8CF8999}" type="datetime1">
               <a:rPr lang="en-US" smtClean="0"/>
-              <a:t>8/28/2015</a:t>
+              <a:t>10/10/2015</a:t>
             </a:fld>
             <a:endParaRPr lang="en-US"/>
           </a:p>
@@ -2899,7 +2899,7 @@
           <a:p>
             <a:fld id="{A3639A2A-823D-48B7-9ACE-7FAF42870BA9}" type="datetime1">
               <a:rPr lang="en-US" smtClean="0"/>
-              <a:t>8/28/2015</a:t>
+              <a:t>10/10/2015</a:t>
             </a:fld>
             <a:endParaRPr lang="en-US"/>
           </a:p>
@@ -3079,7 +3079,7 @@
           <a:p>
             <a:fld id="{ED1B6996-82E9-463C-972C-7B56056E426C}" type="datetime1">
               <a:rPr lang="en-US" smtClean="0"/>
-              <a:t>8/28/2015</a:t>
+              <a:t>10/10/2015</a:t>
             </a:fld>
             <a:endParaRPr lang="en-US"/>
           </a:p>
@@ -3255,7 +3255,7 @@
           <a:p>
             <a:fld id="{E22ED4DA-448D-4BB1-B935-CC112220207B}" type="datetime1">
               <a:rPr lang="en-US" smtClean="0"/>
-              <a:t>8/28/2015</a:t>
+              <a:t>10/10/2015</a:t>
             </a:fld>
             <a:endParaRPr lang="en-US"/>
           </a:p>
@@ -3437,7 +3437,7 @@
           <a:p>
             <a:fld id="{E22ED4DA-448D-4BB1-B935-CC112220207B}" type="datetime1">
               <a:rPr lang="en-US" smtClean="0"/>
-              <a:t>8/28/2015</a:t>
+              <a:t>10/10/2015</a:t>
             </a:fld>
             <a:endParaRPr lang="en-US"/>
           </a:p>
@@ -3706,7 +3706,7 @@
           <a:p>
             <a:fld id="{FF5D65A6-AB94-4435-B0B7-3743215FA46C}" type="datetime1">
               <a:rPr lang="en-US" smtClean="0"/>
-              <a:t>8/28/2015</a:t>
+              <a:t>10/10/2015</a:t>
             </a:fld>
             <a:endParaRPr lang="en-US"/>
           </a:p>
@@ -3891,7 +3891,7 @@
           <a:p>
             <a:fld id="{FF5D65A6-AB94-4435-B0B7-3743215FA46C}" type="datetime1">
               <a:rPr lang="en-US" smtClean="0"/>
-              <a:t>8/28/2015</a:t>
+              <a:t>10/10/2015</a:t>
             </a:fld>
             <a:endParaRPr lang="en-US"/>
           </a:p>
@@ -4193,7 +4193,7 @@
           <a:p>
             <a:fld id="{7C193DC4-6EF0-48C9-B29C-616106A645E1}" type="datetime1">
               <a:rPr lang="en-US" smtClean="0"/>
-              <a:t>8/28/2015</a:t>
+              <a:t>10/10/2015</a:t>
             </a:fld>
             <a:endParaRPr lang="en-US"/>
           </a:p>
@@ -4481,7 +4481,7 @@
           <a:p>
             <a:fld id="{5D1846AD-9252-4647-9435-4C2AC365653A}" type="datetime1">
               <a:rPr lang="en-US" smtClean="0"/>
-              <a:t>8/28/2015</a:t>
+              <a:t>10/10/2015</a:t>
             </a:fld>
             <a:endParaRPr lang="en-US"/>
           </a:p>
@@ -4903,7 +4903,7 @@
           <a:p>
             <a:fld id="{CE56DC10-3561-4063-A6AF-C1CC7A41040A}" type="datetime1">
               <a:rPr lang="en-US" smtClean="0"/>
-              <a:t>8/28/2015</a:t>
+              <a:t>10/10/2015</a:t>
             </a:fld>
             <a:endParaRPr lang="en-US"/>
           </a:p>
@@ -5021,7 +5021,7 @@
           <a:p>
             <a:fld id="{2F7B77F5-1464-4F6B-92A8-64FC8A508293}" type="datetime1">
               <a:rPr lang="en-US" smtClean="0"/>
-              <a:t>8/28/2015</a:t>
+              <a:t>10/10/2015</a:t>
             </a:fld>
             <a:endParaRPr lang="en-US"/>
           </a:p>
@@ -5253,7 +5253,7 @@
           <a:p>
             <a:fld id="{02B3F677-983B-48DB-ADFD-63FE6CBC7FB2}" type="datetime1">
               <a:rPr lang="en-US" smtClean="0"/>
-              <a:t>8/28/2015</a:t>
+              <a:t>10/10/2015</a:t>
             </a:fld>
             <a:endParaRPr lang="en-US"/>
           </a:p>
@@ -7213,7 +7213,19 @@
           <a:p>
             <a:r>
               <a:rPr lang="en-US" dirty="0" smtClean="0"/>
-              <a:t>Then comment out the old definitions, so the your old tests will now see the new definitions.</a:t>
+              <a:t>Then comment out the old definitions</a:t>
+            </a:r>
+            <a:r>
+              <a:rPr lang="en-US" smtClean="0"/>
+              <a:t>, </a:t>
+            </a:r>
+            <a:r>
+              <a:rPr lang="en-US" smtClean="0"/>
+              <a:t>so </a:t>
+            </a:r>
+            <a:r>
+              <a:rPr lang="en-US" dirty="0" smtClean="0"/>
+              <a:t>your old tests will now see the new definitions.</a:t>
             </a:r>
           </a:p>
           <a:p>
@@ -11827,35 +11839,7 @@
                 <a:latin typeface="Consolas" panose="020B0609020204030204" pitchFamily="49" charset="0"/>
                 <a:cs typeface="Consolas" panose="020B0609020204030204" pitchFamily="49" charset="0"/>
               </a:rPr>
-              <a:t>;; </a:t>
-            </a:r>
-            <a:r>
-              <a:rPr lang="en-US" b="1" dirty="0" smtClean="0">
-                <a:latin typeface="Consolas" panose="020B0609020204030204" pitchFamily="49" charset="0"/>
-                <a:cs typeface="Consolas" panose="020B0609020204030204" pitchFamily="49" charset="0"/>
-              </a:rPr>
-              <a:t>STRATEGY: </a:t>
-            </a:r>
-            <a:r>
-              <a:rPr lang="en-US" b="1" dirty="0" smtClean="0">
-                <a:latin typeface="Consolas" panose="020B0609020204030204" pitchFamily="49" charset="0"/>
-                <a:cs typeface="Consolas" panose="020B0609020204030204" pitchFamily="49" charset="0"/>
-              </a:rPr>
-              <a:t>Use </a:t>
-            </a:r>
-            <a:r>
-              <a:rPr lang="en-US" b="1" dirty="0" smtClean="0">
-                <a:latin typeface="Consolas" panose="020B0609020204030204" pitchFamily="49" charset="0"/>
-                <a:cs typeface="Consolas" panose="020B0609020204030204" pitchFamily="49" charset="0"/>
-              </a:rPr>
-              <a:t>HOF </a:t>
-            </a:r>
-            <a:r>
-              <a:rPr lang="en-US" b="1" dirty="0" smtClean="0">
-                <a:latin typeface="Consolas" panose="020B0609020204030204" pitchFamily="49" charset="0"/>
-                <a:cs typeface="Consolas" panose="020B0609020204030204" pitchFamily="49" charset="0"/>
-              </a:rPr>
-              <a:t>map on </a:t>
+              <a:t>;; STRATEGY: Use HOF map on </a:t>
             </a:r>
             <a:r>
               <a:rPr lang="en-US" b="1" dirty="0" err="1" smtClean="0">
@@ -12640,21 +12624,7 @@
                 <a:latin typeface="Consolas" pitchFamily="49" charset="0"/>
                 <a:cs typeface="Consolas" pitchFamily="49" charset="0"/>
               </a:rPr>
-              <a:t>;; </a:t>
-            </a:r>
-            <a:r>
-              <a:rPr lang="en-US" sz="2400" b="1" dirty="0" smtClean="0">
-                <a:latin typeface="Consolas" pitchFamily="49" charset="0"/>
-                <a:cs typeface="Consolas" pitchFamily="49" charset="0"/>
-              </a:rPr>
-              <a:t>STRATEGY: </a:t>
-            </a:r>
-            <a:r>
-              <a:rPr lang="en-US" sz="2400" b="1" dirty="0" smtClean="0">
-                <a:latin typeface="Consolas" pitchFamily="49" charset="0"/>
-                <a:cs typeface="Consolas" pitchFamily="49" charset="0"/>
-              </a:rPr>
-              <a:t>Use template for </a:t>
+              <a:t>;; STRATEGY: Use template for </a:t>
             </a:r>
             <a:r>
               <a:rPr lang="en-US" sz="2400" b="1" dirty="0" err="1" smtClean="0">
@@ -13075,33 +13045,22 @@
                 <a:latin typeface="Consolas" pitchFamily="49" charset="0"/>
                 <a:cs typeface="Consolas" pitchFamily="49" charset="0"/>
               </a:rPr>
+              <a:t> on </a:t>
+            </a:r>
+            <a:r>
+              <a:rPr lang="en-US" sz="2400" b="1" dirty="0" err="1" smtClean="0">
+                <a:latin typeface="Consolas" pitchFamily="49" charset="0"/>
+                <a:cs typeface="Consolas" pitchFamily="49" charset="0"/>
+              </a:rPr>
+              <a:t>loe</a:t>
+            </a:r>
+            <a:r>
+              <a:rPr lang="en-US" sz="2400" b="1" dirty="0" smtClean="0">
+                <a:latin typeface="Consolas" pitchFamily="49" charset="0"/>
+                <a:cs typeface="Consolas" pitchFamily="49" charset="0"/>
+              </a:rPr>
               <a:t> </a:t>
             </a:r>
-            <a:r>
-              <a:rPr lang="en-US" sz="2400" b="1" dirty="0" smtClean="0">
-                <a:latin typeface="Consolas" pitchFamily="49" charset="0"/>
-                <a:cs typeface="Consolas" pitchFamily="49" charset="0"/>
-              </a:rPr>
-              <a:t>on </a:t>
-            </a:r>
-            <a:r>
-              <a:rPr lang="en-US" sz="2400" b="1" dirty="0" err="1" smtClean="0">
-                <a:latin typeface="Consolas" pitchFamily="49" charset="0"/>
-                <a:cs typeface="Consolas" pitchFamily="49" charset="0"/>
-              </a:rPr>
-              <a:t>loe</a:t>
-            </a:r>
-            <a:r>
-              <a:rPr lang="en-US" sz="2400" b="1" dirty="0" smtClean="0">
-                <a:latin typeface="Consolas" pitchFamily="49" charset="0"/>
-                <a:cs typeface="Consolas" pitchFamily="49" charset="0"/>
-              </a:rPr>
-              <a:t> </a:t>
-            </a:r>
-            <a:endParaRPr lang="en-US" sz="2400" b="1" dirty="0" smtClean="0">
-              <a:latin typeface="Consolas" pitchFamily="49" charset="0"/>
-              <a:cs typeface="Consolas" pitchFamily="49" charset="0"/>
-            </a:endParaRPr>
           </a:p>
           <a:p>
             <a:pPr>

--- a/Slides/Lesson 5.2 Generalizing Over Functions.pptx
+++ b/Slides/Lesson 5.2 Generalizing Over Functions.pptx
@@ -248,7 +248,7 @@
             <a:fld id="{CF8F25F6-E1EF-4065-8525-42EDEBD9BD22}" type="datetimeFigureOut">
               <a:rPr lang="en-US" smtClean="0"/>
               <a:pPr/>
-              <a:t>10/10/2015</a:t>
+              <a:t>5/19/2016</a:t>
             </a:fld>
             <a:endParaRPr lang="en-US"/>
           </a:p>
@@ -2097,7 +2097,7 @@
           <a:p>
             <a:fld id="{2F1F79F5-7BEC-496A-AFC7-876E38F64D71}" type="datetime1">
               <a:rPr lang="en-US" smtClean="0"/>
-              <a:t>10/10/2015</a:t>
+              <a:t>5/19/2016</a:t>
             </a:fld>
             <a:endParaRPr lang="en-US"/>
           </a:p>
@@ -2199,7 +2199,7 @@
           <a:p>
             <a:fld id="{0A05703A-7669-4FEA-9056-25299B4D29D4}" type="datetime1">
               <a:rPr lang="en-US" smtClean="0"/>
-              <a:t>10/10/2015</a:t>
+              <a:t>5/19/2016</a:t>
             </a:fld>
             <a:endParaRPr lang="en-US"/>
           </a:p>
@@ -2476,7 +2476,7 @@
           <a:p>
             <a:fld id="{6E5077B5-BB57-49DB-88CA-226A139E5C01}" type="datetime1">
               <a:rPr lang="en-US" smtClean="0"/>
-              <a:t>10/10/2015</a:t>
+              <a:t>5/19/2016</a:t>
             </a:fld>
             <a:endParaRPr lang="en-US"/>
           </a:p>
@@ -2729,7 +2729,7 @@
           <a:p>
             <a:fld id="{C48D9447-CBD6-49A1-89FD-8512A8CF8999}" type="datetime1">
               <a:rPr lang="en-US" smtClean="0"/>
-              <a:t>10/10/2015</a:t>
+              <a:t>5/19/2016</a:t>
             </a:fld>
             <a:endParaRPr lang="en-US"/>
           </a:p>
@@ -2899,7 +2899,7 @@
           <a:p>
             <a:fld id="{A3639A2A-823D-48B7-9ACE-7FAF42870BA9}" type="datetime1">
               <a:rPr lang="en-US" smtClean="0"/>
-              <a:t>10/10/2015</a:t>
+              <a:t>5/19/2016</a:t>
             </a:fld>
             <a:endParaRPr lang="en-US"/>
           </a:p>
@@ -3079,7 +3079,7 @@
           <a:p>
             <a:fld id="{ED1B6996-82E9-463C-972C-7B56056E426C}" type="datetime1">
               <a:rPr lang="en-US" smtClean="0"/>
-              <a:t>10/10/2015</a:t>
+              <a:t>5/19/2016</a:t>
             </a:fld>
             <a:endParaRPr lang="en-US"/>
           </a:p>
@@ -3255,7 +3255,7 @@
           <a:p>
             <a:fld id="{E22ED4DA-448D-4BB1-B935-CC112220207B}" type="datetime1">
               <a:rPr lang="en-US" smtClean="0"/>
-              <a:t>10/10/2015</a:t>
+              <a:t>5/19/2016</a:t>
             </a:fld>
             <a:endParaRPr lang="en-US"/>
           </a:p>
@@ -3437,7 +3437,7 @@
           <a:p>
             <a:fld id="{E22ED4DA-448D-4BB1-B935-CC112220207B}" type="datetime1">
               <a:rPr lang="en-US" smtClean="0"/>
-              <a:t>10/10/2015</a:t>
+              <a:t>5/19/2016</a:t>
             </a:fld>
             <a:endParaRPr lang="en-US"/>
           </a:p>
@@ -3706,7 +3706,7 @@
           <a:p>
             <a:fld id="{FF5D65A6-AB94-4435-B0B7-3743215FA46C}" type="datetime1">
               <a:rPr lang="en-US" smtClean="0"/>
-              <a:t>10/10/2015</a:t>
+              <a:t>5/19/2016</a:t>
             </a:fld>
             <a:endParaRPr lang="en-US"/>
           </a:p>
@@ -3891,7 +3891,7 @@
           <a:p>
             <a:fld id="{FF5D65A6-AB94-4435-B0B7-3743215FA46C}" type="datetime1">
               <a:rPr lang="en-US" smtClean="0"/>
-              <a:t>10/10/2015</a:t>
+              <a:t>5/19/2016</a:t>
             </a:fld>
             <a:endParaRPr lang="en-US"/>
           </a:p>
@@ -4193,7 +4193,7 @@
           <a:p>
             <a:fld id="{7C193DC4-6EF0-48C9-B29C-616106A645E1}" type="datetime1">
               <a:rPr lang="en-US" smtClean="0"/>
-              <a:t>10/10/2015</a:t>
+              <a:t>5/19/2016</a:t>
             </a:fld>
             <a:endParaRPr lang="en-US"/>
           </a:p>
@@ -4481,7 +4481,7 @@
           <a:p>
             <a:fld id="{5D1846AD-9252-4647-9435-4C2AC365653A}" type="datetime1">
               <a:rPr lang="en-US" smtClean="0"/>
-              <a:t>10/10/2015</a:t>
+              <a:t>5/19/2016</a:t>
             </a:fld>
             <a:endParaRPr lang="en-US"/>
           </a:p>
@@ -4903,7 +4903,7 @@
           <a:p>
             <a:fld id="{CE56DC10-3561-4063-A6AF-C1CC7A41040A}" type="datetime1">
               <a:rPr lang="en-US" smtClean="0"/>
-              <a:t>10/10/2015</a:t>
+              <a:t>5/19/2016</a:t>
             </a:fld>
             <a:endParaRPr lang="en-US"/>
           </a:p>
@@ -5021,7 +5021,7 @@
           <a:p>
             <a:fld id="{2F7B77F5-1464-4F6B-92A8-64FC8A508293}" type="datetime1">
               <a:rPr lang="en-US" smtClean="0"/>
-              <a:t>10/10/2015</a:t>
+              <a:t>5/19/2016</a:t>
             </a:fld>
             <a:endParaRPr lang="en-US"/>
           </a:p>
@@ -5253,7 +5253,7 @@
           <a:p>
             <a:fld id="{02B3F677-983B-48DB-ADFD-63FE6CBC7FB2}" type="datetime1">
               <a:rPr lang="en-US" smtClean="0"/>
-              <a:t>10/10/2015</a:t>
+              <a:t>5/19/2016</a:t>
             </a:fld>
             <a:endParaRPr lang="en-US"/>
           </a:p>
@@ -5855,8 +5855,9 @@
               </a:r>
               <a:r>
                 <a:rPr lang="en-US" sz="1000" dirty="0" smtClean="0"/>
-                <a:t>2012-2014</a:t>
+                <a:t>2012-2016</a:t>
               </a:r>
+              <a:endParaRPr lang="en-US" sz="1000" dirty="0" smtClean="0"/>
             </a:p>
             <a:p>
               <a:r>
@@ -7213,19 +7214,7 @@
           <a:p>
             <a:r>
               <a:rPr lang="en-US" dirty="0" smtClean="0"/>
-              <a:t>Then comment out the old definitions</a:t>
-            </a:r>
-            <a:r>
-              <a:rPr lang="en-US" smtClean="0"/>
-              <a:t>, </a:t>
-            </a:r>
-            <a:r>
-              <a:rPr lang="en-US" smtClean="0"/>
-              <a:t>so </a:t>
-            </a:r>
-            <a:r>
-              <a:rPr lang="en-US" dirty="0" smtClean="0"/>
-              <a:t>your old tests will now see the new definitions.</a:t>
+              <a:t>Then comment out the old definitions, so your old tests will now see the new definitions.</a:t>
             </a:r>
           </a:p>
           <a:p>
@@ -7887,6 +7876,80 @@
               <a:rPr lang="en-US" dirty="0"/>
               <a:t>.</a:t>
             </a:r>
+          </a:p>
+        </p:txBody>
+      </p:sp>
+      <p:sp>
+        <p:nvSpPr>
+          <p:cNvPr id="6" name="Rectangle 5"/>
+          <p:cNvSpPr/>
+          <p:nvPr/>
+        </p:nvSpPr>
+        <p:spPr>
+          <a:xfrm>
+            <a:off x="533400" y="5029200"/>
+            <a:ext cx="2971800" cy="1524000"/>
+          </a:xfrm>
+          <a:prstGeom prst="rect">
+            <a:avLst/>
+          </a:prstGeom>
+          <a:solidFill>
+            <a:srgbClr val="FFFF00"/>
+          </a:solidFill>
+          <a:ln/>
+        </p:spPr>
+        <p:style>
+          <a:lnRef idx="2">
+            <a:schemeClr val="accent1"/>
+          </a:lnRef>
+          <a:fillRef idx="1">
+            <a:schemeClr val="lt1"/>
+          </a:fillRef>
+          <a:effectRef idx="0">
+            <a:schemeClr val="accent1"/>
+          </a:effectRef>
+          <a:fontRef idx="minor">
+            <a:schemeClr val="dk1"/>
+          </a:fontRef>
+        </p:style>
+        <p:txBody>
+          <a:bodyPr rot="0" spcFirstLastPara="0" vertOverflow="overflow" horzOverflow="overflow" vert="horz" wrap="square" lIns="91440" tIns="45720" rIns="91440" bIns="45720" numCol="1" spcCol="0" rtlCol="0" fromWordArt="0" anchor="ctr" anchorCtr="0" forceAA="0" compatLnSpc="1">
+            <a:prstTxWarp prst="textNoShape">
+              <a:avLst/>
+            </a:prstTxWarp>
+            <a:noAutofit/>
+          </a:bodyPr>
+          <a:lstStyle/>
+          <a:p>
+            <a:r>
+              <a:rPr lang="en-US" dirty="0" smtClean="0">
+                <a:solidFill>
+                  <a:schemeClr val="tx1"/>
+                </a:solidFill>
+              </a:rPr>
+              <a:t>What documentation is needed for functions defined in a local (</a:t>
+            </a:r>
+            <a:r>
+              <a:rPr lang="en-US" dirty="0" err="1" smtClean="0">
+                <a:solidFill>
+                  <a:schemeClr val="tx1"/>
+                </a:solidFill>
+              </a:rPr>
+              <a:t>ans</a:t>
+            </a:r>
+            <a:r>
+              <a:rPr lang="en-US" dirty="0" smtClean="0">
+                <a:solidFill>
+                  <a:schemeClr val="tx1"/>
+                </a:solidFill>
+              </a:rPr>
+              <a:t>: same as lambda?)</a:t>
+            </a:r>
+            <a:endParaRPr lang="en-US" dirty="0">
+              <a:solidFill>
+                <a:schemeClr val="tx1"/>
+              </a:solidFill>
+            </a:endParaRPr>
           </a:p>
         </p:txBody>
       </p:sp>
@@ -12036,6 +12099,65 @@
           </a:p>
         </p:txBody>
       </p:sp>
+      <p:sp>
+        <p:nvSpPr>
+          <p:cNvPr id="5" name="Rectangle 4"/>
+          <p:cNvSpPr/>
+          <p:nvPr/>
+        </p:nvSpPr>
+        <p:spPr>
+          <a:xfrm>
+            <a:off x="6553200" y="3657600"/>
+            <a:ext cx="2362200" cy="1219200"/>
+          </a:xfrm>
+          <a:prstGeom prst="rect">
+            <a:avLst/>
+          </a:prstGeom>
+          <a:solidFill>
+            <a:srgbClr val="FFFF00"/>
+          </a:solidFill>
+          <a:ln/>
+        </p:spPr>
+        <p:style>
+          <a:lnRef idx="2">
+            <a:schemeClr val="accent1"/>
+          </a:lnRef>
+          <a:fillRef idx="1">
+            <a:schemeClr val="lt1"/>
+          </a:fillRef>
+          <a:effectRef idx="0">
+            <a:schemeClr val="accent1"/>
+          </a:effectRef>
+          <a:fontRef idx="minor">
+            <a:schemeClr val="dk1"/>
+          </a:fontRef>
+        </p:style>
+        <p:txBody>
+          <a:bodyPr rot="0" spcFirstLastPara="0" vertOverflow="overflow" horzOverflow="overflow" vert="horz" wrap="square" lIns="91440" tIns="45720" rIns="91440" bIns="45720" numCol="1" spcCol="0" rtlCol="0" fromWordArt="0" anchor="ctr" anchorCtr="0" forceAA="0" compatLnSpc="1">
+            <a:prstTxWarp prst="textNoShape">
+              <a:avLst/>
+            </a:prstTxWarp>
+            <a:noAutofit/>
+          </a:bodyPr>
+          <a:lstStyle/>
+          <a:p>
+            <a:pPr algn="ctr"/>
+            <a:r>
+              <a:rPr lang="en-US" dirty="0" smtClean="0">
+                <a:solidFill>
+                  <a:schemeClr val="tx1"/>
+                </a:solidFill>
+              </a:rPr>
+              <a:t>Talk about multi-pass vs. one-pass functions here.</a:t>
+            </a:r>
+            <a:endParaRPr lang="en-US" dirty="0">
+              <a:solidFill>
+                <a:schemeClr val="tx1"/>
+              </a:solidFill>
+            </a:endParaRPr>
+          </a:p>
+        </p:txBody>
+      </p:sp>
     </p:spTree>
     <p:extLst>
       <p:ext uri="{BB962C8B-B14F-4D97-AF65-F5344CB8AC3E}">
@@ -12188,6 +12310,64 @@
           </a:p>
         </p:txBody>
       </p:sp>
+      <p:sp>
+        <p:nvSpPr>
+          <p:cNvPr id="5" name="Rectangle 4"/>
+          <p:cNvSpPr/>
+          <p:nvPr/>
+        </p:nvSpPr>
+        <p:spPr>
+          <a:xfrm>
+            <a:off x="6096000" y="2743200"/>
+            <a:ext cx="2590800" cy="1447800"/>
+          </a:xfrm>
+          <a:prstGeom prst="rect">
+            <a:avLst/>
+          </a:prstGeom>
+          <a:solidFill>
+            <a:srgbClr val="FFFF00"/>
+          </a:solidFill>
+          <a:ln/>
+        </p:spPr>
+        <p:style>
+          <a:lnRef idx="2">
+            <a:schemeClr val="accent1"/>
+          </a:lnRef>
+          <a:fillRef idx="1">
+            <a:schemeClr val="lt1"/>
+          </a:fillRef>
+          <a:effectRef idx="0">
+            <a:schemeClr val="accent1"/>
+          </a:effectRef>
+          <a:fontRef idx="minor">
+            <a:schemeClr val="dk1"/>
+          </a:fontRef>
+        </p:style>
+        <p:txBody>
+          <a:bodyPr rot="0" spcFirstLastPara="0" vertOverflow="overflow" horzOverflow="overflow" vert="horz" wrap="square" lIns="91440" tIns="45720" rIns="91440" bIns="45720" numCol="1" spcCol="0" rtlCol="0" fromWordArt="0" anchor="t" anchorCtr="0" forceAA="0" compatLnSpc="1">
+            <a:prstTxWarp prst="textNoShape">
+              <a:avLst/>
+            </a:prstTxWarp>
+            <a:noAutofit/>
+          </a:bodyPr>
+          <a:lstStyle/>
+          <a:p>
+            <a:r>
+              <a:rPr lang="en-US" dirty="0" smtClean="0">
+                <a:solidFill>
+                  <a:schemeClr val="tx1"/>
+                </a:solidFill>
+              </a:rPr>
+              <a:t>Need to mention: lambda, polymorphism(?), one-pass vs multi-pass</a:t>
+            </a:r>
+            <a:endParaRPr lang="en-US" dirty="0">
+              <a:solidFill>
+                <a:schemeClr val="tx1"/>
+              </a:solidFill>
+            </a:endParaRPr>
+          </a:p>
+        </p:txBody>
+      </p:sp>
     </p:spTree>
     <p:extLst>
       <p:ext uri="{BB962C8B-B14F-4D97-AF65-F5344CB8AC3E}">
@@ -12336,6 +12516,65 @@
               <a:t>30</a:t>
             </a:fld>
             <a:endParaRPr lang="en-US"/>
+          </a:p>
+        </p:txBody>
+      </p:sp>
+      <p:sp>
+        <p:nvSpPr>
+          <p:cNvPr id="5" name="Rectangle 4"/>
+          <p:cNvSpPr/>
+          <p:nvPr/>
+        </p:nvSpPr>
+        <p:spPr>
+          <a:xfrm>
+            <a:off x="6553200" y="3657600"/>
+            <a:ext cx="2362200" cy="1219200"/>
+          </a:xfrm>
+          <a:prstGeom prst="rect">
+            <a:avLst/>
+          </a:prstGeom>
+          <a:solidFill>
+            <a:srgbClr val="FFFF00"/>
+          </a:solidFill>
+          <a:ln/>
+        </p:spPr>
+        <p:style>
+          <a:lnRef idx="2">
+            <a:schemeClr val="accent1"/>
+          </a:lnRef>
+          <a:fillRef idx="1">
+            <a:schemeClr val="lt1"/>
+          </a:fillRef>
+          <a:effectRef idx="0">
+            <a:schemeClr val="accent1"/>
+          </a:effectRef>
+          <a:fontRef idx="minor">
+            <a:schemeClr val="dk1"/>
+          </a:fontRef>
+        </p:style>
+        <p:txBody>
+          <a:bodyPr rot="0" spcFirstLastPara="0" vertOverflow="overflow" horzOverflow="overflow" vert="horz" wrap="square" lIns="91440" tIns="45720" rIns="91440" bIns="45720" numCol="1" spcCol="0" rtlCol="0" fromWordArt="0" anchor="ctr" anchorCtr="0" forceAA="0" compatLnSpc="1">
+            <a:prstTxWarp prst="textNoShape">
+              <a:avLst/>
+            </a:prstTxWarp>
+            <a:noAutofit/>
+          </a:bodyPr>
+          <a:lstStyle/>
+          <a:p>
+            <a:pPr algn="ctr"/>
+            <a:r>
+              <a:rPr lang="en-US" dirty="0" smtClean="0">
+                <a:solidFill>
+                  <a:schemeClr val="tx1"/>
+                </a:solidFill>
+              </a:rPr>
+              <a:t>Compare to Learning Objectives</a:t>
+            </a:r>
+            <a:endParaRPr lang="en-US" dirty="0">
+              <a:solidFill>
+                <a:schemeClr val="tx1"/>
+              </a:solidFill>
+            </a:endParaRPr>
           </a:p>
         </p:txBody>
       </p:sp>
@@ -14533,7 +14772,24 @@
                 <a:latin typeface="Consolas" pitchFamily="49" charset="0"/>
                 <a:cs typeface="Consolas" pitchFamily="49" charset="0"/>
               </a:rPr>
-              <a:t>  (apply-to-each add1 </a:t>
+              <a:t>  (apply-to-each </a:t>
+            </a:r>
+            <a:r>
+              <a:rPr lang="en-US" sz="2600" b="1" dirty="0" smtClean="0">
+                <a:solidFill>
+                  <a:srgbClr val="00B050"/>
+                </a:solidFill>
+                <a:latin typeface="Consolas" pitchFamily="49" charset="0"/>
+                <a:cs typeface="Consolas" pitchFamily="49" charset="0"/>
+              </a:rPr>
+              <a:t>add1</a:t>
+            </a:r>
+            <a:r>
+              <a:rPr lang="en-US" sz="2600" b="1" dirty="0" smtClean="0">
+                <a:latin typeface="Consolas" pitchFamily="49" charset="0"/>
+                <a:cs typeface="Consolas" pitchFamily="49" charset="0"/>
+              </a:rPr>
+              <a:t> </a:t>
             </a:r>
             <a:r>
               <a:rPr lang="en-US" sz="2600" b="1" dirty="0" err="1" smtClean="0">
@@ -14594,7 +14850,24 @@
                 <a:latin typeface="Consolas" pitchFamily="49" charset="0"/>
                 <a:cs typeface="Consolas" pitchFamily="49" charset="0"/>
               </a:rPr>
-              <a:t>  (apply-to-each employee-name </a:t>
+              <a:t>  (apply-to-each </a:t>
+            </a:r>
+            <a:r>
+              <a:rPr lang="en-US" sz="2600" b="1" dirty="0" smtClean="0">
+                <a:solidFill>
+                  <a:srgbClr val="00B050"/>
+                </a:solidFill>
+                <a:latin typeface="Consolas" pitchFamily="49" charset="0"/>
+                <a:cs typeface="Consolas" pitchFamily="49" charset="0"/>
+              </a:rPr>
+              <a:t>employee-name</a:t>
+            </a:r>
+            <a:r>
+              <a:rPr lang="en-US" sz="2600" b="1" dirty="0" smtClean="0">
+                <a:latin typeface="Consolas" pitchFamily="49" charset="0"/>
+                <a:cs typeface="Consolas" pitchFamily="49" charset="0"/>
+              </a:rPr>
+              <a:t> </a:t>
             </a:r>
             <a:r>
               <a:rPr lang="en-US" sz="2600" b="1" dirty="0" err="1" smtClean="0">
@@ -14723,12 +14996,12 @@
               <a:t>We recover the original functions by passing one or the other </a:t>
             </a:r>
             <a:r>
-              <a:rPr lang="en-US" sz="2400" dirty="0" err="1"/>
-              <a:t>other</a:t>
+              <a:rPr lang="en-US" sz="2400" dirty="0" smtClean="0"/>
+              <a:t>function </a:t>
             </a:r>
             <a:r>
               <a:rPr lang="en-US" sz="2400" dirty="0"/>
-              <a:t> function as the value of the argument.</a:t>
+              <a:t>as the value of the argument.</a:t>
             </a:r>
           </a:p>
         </p:txBody>
